--- a/docs/amt-gw-lib-v4.pptx
+++ b/docs/amt-gw-lib-v4.pptx
@@ -31441,7 +31441,7 @@
         <p:spPr>
           <a:xfrm>
             <a:off x="648454" y="1026839"/>
-            <a:ext cx="9205410" cy="3170099"/>
+            <a:ext cx="9205410" cy="2862322"/>
           </a:xfrm>
           <a:prstGeom prst="rect">
             <a:avLst/>
@@ -31548,36 +31548,21 @@
               <a:t>https</a:t>
             </a:r>
             <a:r>
-              <a:rPr lang="en-US" sz="2000" u="sng" dirty="0">
+              <a:rPr lang="en-US" sz="2000" u="sng">
                 <a:hlinkClick r:id="rId2"/>
               </a:rPr>
               <a:t>://</a:t>
             </a:r>
             <a:r>
-              <a:rPr lang="en-US" sz="2000" u="sng" dirty="0" smtClean="0">
+              <a:rPr lang="en-US" sz="2000" u="sng" smtClean="0">
                 <a:hlinkClick r:id="rId2"/>
               </a:rPr>
               <a:t>github.com/cisco/SSMAMTtools</a:t>
             </a:r>
             <a:r>
-              <a:rPr lang="en-US" sz="2000" u="sng" dirty="0" smtClean="0"/>
-              <a:t> </a:t>
-            </a:r>
-            <a:r>
-              <a:rPr lang="en-US" sz="2000" dirty="0" smtClean="0">
-                <a:solidFill>
-                  <a:srgbClr val="000000"/>
-                </a:solidFill>
-              </a:rPr>
-              <a:t>or</a:t>
-            </a:r>
-            <a:endParaRPr lang="en-US" sz="2000" dirty="0" smtClean="0">
-              <a:solidFill>
-                <a:srgbClr val="000000"/>
-              </a:solidFill>
-            </a:endParaRPr>
-          </a:p>
-          <a:p>
+              <a:rPr lang="en-US" sz="2000" u="sng" smtClean="0"/>
+              <a:t>.gif</a:t>
+            </a:r>
             <a:endParaRPr lang="en-US" sz="2000" u="sng" dirty="0" smtClean="0"/>
           </a:p>
           <a:p>
@@ -31586,16 +31571,8 @@
               <a:buChar char="q"/>
             </a:pPr>
             <a:r>
-              <a:rPr lang="en-US" sz="2000" dirty="0">
-                <a:hlinkClick r:id="rId3"/>
-              </a:rPr>
-              <a:t>https://</a:t>
-            </a:r>
-            <a:r>
-              <a:rPr lang="en-US" sz="2000" dirty="0" smtClean="0">
-                <a:hlinkClick r:id="rId3"/>
-              </a:rPr>
-              <a:t>cisco.app.box.com/files/0/f/2384374279/1/f_20937570747</a:t>
+              <a:rPr lang="en-US" sz="2000" dirty="0"/>
+              <a:t>https://cisco.box.com/s/3c2mhs3rf5mukdznxkht</a:t>
             </a:r>
             <a:endParaRPr lang="en-US" sz="2000" dirty="0" smtClean="0"/>
           </a:p>
@@ -40001,21 +39978,13 @@
           <a:p>
             <a:r>
               <a:rPr lang="en-US" dirty="0" smtClean="0"/>
-              <a:t>Introduction to the AMT lib and </a:t>
-            </a:r>
-            <a:r>
-              <a:rPr lang="en-US" smtClean="0"/>
-              <a:t>detail APIs</a:t>
-            </a:r>
-          </a:p>
-          <a:p>
-            <a:r>
-              <a:rPr lang="en-US" smtClean="0"/>
-              <a:t>In </a:t>
-            </a:r>
+              <a:t>Introduction to the AMT lib and detail APIs</a:t>
+            </a:r>
+          </a:p>
+          <a:p>
             <a:r>
               <a:rPr lang="en-US" dirty="0" smtClean="0"/>
-              <a:t>addition to the AMT lib, there are 4 examples of code in the repository to demonstrate how to use the library.</a:t>
+              <a:t>In addition to the AMT lib, there are 4 examples of code in the repository to demonstrate how to use the library.</a:t>
             </a:r>
           </a:p>
           <a:p>
